--- a/Documentacao/HLD_KPRunnin.pptx
+++ b/Documentacao/HLD_KPRunnin.pptx
@@ -134,7 +134,7 @@
           <p:cNvPr id="2" name="Título 1">
             <a:extLst>
               <a:ext uri="{FF2B5EF4-FFF2-40B4-BE49-F238E27FC236}">
-                <a16:creationId xmlns:a16="http://schemas.microsoft.com/office/drawing/2014/main" id="{8AB4B03C-2B20-4199-838D-39A06B9E2B41}"/>
+                <a16:creationId xmlns="" xmlns:a16="http://schemas.microsoft.com/office/drawing/2014/main" id="{8AB4B03C-2B20-4199-838D-39A06B9E2B41}"/>
               </a:ext>
             </a:extLst>
           </p:cNvPr>
@@ -171,7 +171,7 @@
           <p:cNvPr id="3" name="Subtítulo 2">
             <a:extLst>
               <a:ext uri="{FF2B5EF4-FFF2-40B4-BE49-F238E27FC236}">
-                <a16:creationId xmlns:a16="http://schemas.microsoft.com/office/drawing/2014/main" id="{CBE4200D-9D6A-4E03-9AD8-D674F80C4088}"/>
+                <a16:creationId xmlns="" xmlns:a16="http://schemas.microsoft.com/office/drawing/2014/main" id="{CBE4200D-9D6A-4E03-9AD8-D674F80C4088}"/>
               </a:ext>
             </a:extLst>
           </p:cNvPr>
@@ -241,7 +241,7 @@
           <p:cNvPr id="4" name="Espaço Reservado para Data 3">
             <a:extLst>
               <a:ext uri="{FF2B5EF4-FFF2-40B4-BE49-F238E27FC236}">
-                <a16:creationId xmlns:a16="http://schemas.microsoft.com/office/drawing/2014/main" id="{47D5563B-1AAA-41D9-B16E-A59693080A09}"/>
+                <a16:creationId xmlns="" xmlns:a16="http://schemas.microsoft.com/office/drawing/2014/main" id="{47D5563B-1AAA-41D9-B16E-A59693080A09}"/>
               </a:ext>
             </a:extLst>
           </p:cNvPr>
@@ -259,7 +259,7 @@
           <a:p>
             <a:fld id="{9051CA99-EC01-49AA-9D10-A564388281B1}" type="datetimeFigureOut">
               <a:rPr lang="pt-BR" smtClean="0"/>
-              <a:t>10/04/2020</a:t>
+              <a:t>15/04/2020</a:t>
             </a:fld>
             <a:endParaRPr lang="pt-BR"/>
           </a:p>
@@ -270,7 +270,7 @@
           <p:cNvPr id="5" name="Espaço Reservado para Rodapé 4">
             <a:extLst>
               <a:ext uri="{FF2B5EF4-FFF2-40B4-BE49-F238E27FC236}">
-                <a16:creationId xmlns:a16="http://schemas.microsoft.com/office/drawing/2014/main" id="{A329A51C-AE60-44AC-BCC0-137E35D6882F}"/>
+                <a16:creationId xmlns="" xmlns:a16="http://schemas.microsoft.com/office/drawing/2014/main" id="{A329A51C-AE60-44AC-BCC0-137E35D6882F}"/>
               </a:ext>
             </a:extLst>
           </p:cNvPr>
@@ -295,7 +295,7 @@
           <p:cNvPr id="6" name="Espaço Reservado para Número de Slide 5">
             <a:extLst>
               <a:ext uri="{FF2B5EF4-FFF2-40B4-BE49-F238E27FC236}">
-                <a16:creationId xmlns:a16="http://schemas.microsoft.com/office/drawing/2014/main" id="{BBDD5AD0-0D31-41D6-9C00-43A975C7A714}"/>
+                <a16:creationId xmlns="" xmlns:a16="http://schemas.microsoft.com/office/drawing/2014/main" id="{BBDD5AD0-0D31-41D6-9C00-43A975C7A714}"/>
               </a:ext>
             </a:extLst>
           </p:cNvPr>
@@ -354,7 +354,7 @@
           <p:cNvPr id="2" name="Título 1">
             <a:extLst>
               <a:ext uri="{FF2B5EF4-FFF2-40B4-BE49-F238E27FC236}">
-                <a16:creationId xmlns:a16="http://schemas.microsoft.com/office/drawing/2014/main" id="{6F71C3C5-B15A-42DD-BEB8-66AAA70722CA}"/>
+                <a16:creationId xmlns="" xmlns:a16="http://schemas.microsoft.com/office/drawing/2014/main" id="{6F71C3C5-B15A-42DD-BEB8-66AAA70722CA}"/>
               </a:ext>
             </a:extLst>
           </p:cNvPr>
@@ -382,7 +382,7 @@
           <p:cNvPr id="3" name="Espaço Reservado para Texto Vertical 2">
             <a:extLst>
               <a:ext uri="{FF2B5EF4-FFF2-40B4-BE49-F238E27FC236}">
-                <a16:creationId xmlns:a16="http://schemas.microsoft.com/office/drawing/2014/main" id="{CFD0E67F-F7D0-447F-8175-2CF420CD44A4}"/>
+                <a16:creationId xmlns="" xmlns:a16="http://schemas.microsoft.com/office/drawing/2014/main" id="{CFD0E67F-F7D0-447F-8175-2CF420CD44A4}"/>
               </a:ext>
             </a:extLst>
           </p:cNvPr>
@@ -439,7 +439,7 @@
           <p:cNvPr id="4" name="Espaço Reservado para Data 3">
             <a:extLst>
               <a:ext uri="{FF2B5EF4-FFF2-40B4-BE49-F238E27FC236}">
-                <a16:creationId xmlns:a16="http://schemas.microsoft.com/office/drawing/2014/main" id="{61020F49-B32F-498C-ACA8-B35AE266F36B}"/>
+                <a16:creationId xmlns="" xmlns:a16="http://schemas.microsoft.com/office/drawing/2014/main" id="{61020F49-B32F-498C-ACA8-B35AE266F36B}"/>
               </a:ext>
             </a:extLst>
           </p:cNvPr>
@@ -457,7 +457,7 @@
           <a:p>
             <a:fld id="{9051CA99-EC01-49AA-9D10-A564388281B1}" type="datetimeFigureOut">
               <a:rPr lang="pt-BR" smtClean="0"/>
-              <a:t>10/04/2020</a:t>
+              <a:t>15/04/2020</a:t>
             </a:fld>
             <a:endParaRPr lang="pt-BR"/>
           </a:p>
@@ -468,7 +468,7 @@
           <p:cNvPr id="5" name="Espaço Reservado para Rodapé 4">
             <a:extLst>
               <a:ext uri="{FF2B5EF4-FFF2-40B4-BE49-F238E27FC236}">
-                <a16:creationId xmlns:a16="http://schemas.microsoft.com/office/drawing/2014/main" id="{BC449ADC-2F86-460D-A585-1CC08E6F50B3}"/>
+                <a16:creationId xmlns="" xmlns:a16="http://schemas.microsoft.com/office/drawing/2014/main" id="{BC449ADC-2F86-460D-A585-1CC08E6F50B3}"/>
               </a:ext>
             </a:extLst>
           </p:cNvPr>
@@ -493,7 +493,7 @@
           <p:cNvPr id="6" name="Espaço Reservado para Número de Slide 5">
             <a:extLst>
               <a:ext uri="{FF2B5EF4-FFF2-40B4-BE49-F238E27FC236}">
-                <a16:creationId xmlns:a16="http://schemas.microsoft.com/office/drawing/2014/main" id="{8F023E5A-7CDD-40D2-8788-53548E52D486}"/>
+                <a16:creationId xmlns="" xmlns:a16="http://schemas.microsoft.com/office/drawing/2014/main" id="{8F023E5A-7CDD-40D2-8788-53548E52D486}"/>
               </a:ext>
             </a:extLst>
           </p:cNvPr>
@@ -552,7 +552,7 @@
           <p:cNvPr id="2" name="Título Vertical 1">
             <a:extLst>
               <a:ext uri="{FF2B5EF4-FFF2-40B4-BE49-F238E27FC236}">
-                <a16:creationId xmlns:a16="http://schemas.microsoft.com/office/drawing/2014/main" id="{69F60A57-9D5C-4FAF-8565-7ACA8F4EAF5E}"/>
+                <a16:creationId xmlns="" xmlns:a16="http://schemas.microsoft.com/office/drawing/2014/main" id="{69F60A57-9D5C-4FAF-8565-7ACA8F4EAF5E}"/>
               </a:ext>
             </a:extLst>
           </p:cNvPr>
@@ -585,7 +585,7 @@
           <p:cNvPr id="3" name="Espaço Reservado para Texto Vertical 2">
             <a:extLst>
               <a:ext uri="{FF2B5EF4-FFF2-40B4-BE49-F238E27FC236}">
-                <a16:creationId xmlns:a16="http://schemas.microsoft.com/office/drawing/2014/main" id="{055AD50A-296D-4944-AD1E-32CCA15BD0A3}"/>
+                <a16:creationId xmlns="" xmlns:a16="http://schemas.microsoft.com/office/drawing/2014/main" id="{055AD50A-296D-4944-AD1E-32CCA15BD0A3}"/>
               </a:ext>
             </a:extLst>
           </p:cNvPr>
@@ -647,7 +647,7 @@
           <p:cNvPr id="4" name="Espaço Reservado para Data 3">
             <a:extLst>
               <a:ext uri="{FF2B5EF4-FFF2-40B4-BE49-F238E27FC236}">
-                <a16:creationId xmlns:a16="http://schemas.microsoft.com/office/drawing/2014/main" id="{64A71BF9-58F8-4DEE-BCB4-A7D4BA50BC85}"/>
+                <a16:creationId xmlns="" xmlns:a16="http://schemas.microsoft.com/office/drawing/2014/main" id="{64A71BF9-58F8-4DEE-BCB4-A7D4BA50BC85}"/>
               </a:ext>
             </a:extLst>
           </p:cNvPr>
@@ -665,7 +665,7 @@
           <a:p>
             <a:fld id="{9051CA99-EC01-49AA-9D10-A564388281B1}" type="datetimeFigureOut">
               <a:rPr lang="pt-BR" smtClean="0"/>
-              <a:t>10/04/2020</a:t>
+              <a:t>15/04/2020</a:t>
             </a:fld>
             <a:endParaRPr lang="pt-BR"/>
           </a:p>
@@ -676,7 +676,7 @@
           <p:cNvPr id="5" name="Espaço Reservado para Rodapé 4">
             <a:extLst>
               <a:ext uri="{FF2B5EF4-FFF2-40B4-BE49-F238E27FC236}">
-                <a16:creationId xmlns:a16="http://schemas.microsoft.com/office/drawing/2014/main" id="{AD3A93B5-6A89-4776-8556-28B5CB9965D4}"/>
+                <a16:creationId xmlns="" xmlns:a16="http://schemas.microsoft.com/office/drawing/2014/main" id="{AD3A93B5-6A89-4776-8556-28B5CB9965D4}"/>
               </a:ext>
             </a:extLst>
           </p:cNvPr>
@@ -701,7 +701,7 @@
           <p:cNvPr id="6" name="Espaço Reservado para Número de Slide 5">
             <a:extLst>
               <a:ext uri="{FF2B5EF4-FFF2-40B4-BE49-F238E27FC236}">
-                <a16:creationId xmlns:a16="http://schemas.microsoft.com/office/drawing/2014/main" id="{7955CB91-A2C6-428E-A6AF-C6CF25E1C9F8}"/>
+                <a16:creationId xmlns="" xmlns:a16="http://schemas.microsoft.com/office/drawing/2014/main" id="{7955CB91-A2C6-428E-A6AF-C6CF25E1C9F8}"/>
               </a:ext>
             </a:extLst>
           </p:cNvPr>
@@ -760,7 +760,7 @@
           <p:cNvPr id="2" name="Título 1">
             <a:extLst>
               <a:ext uri="{FF2B5EF4-FFF2-40B4-BE49-F238E27FC236}">
-                <a16:creationId xmlns:a16="http://schemas.microsoft.com/office/drawing/2014/main" id="{3594874A-803E-4C13-95B8-91A4FD3E1C50}"/>
+                <a16:creationId xmlns="" xmlns:a16="http://schemas.microsoft.com/office/drawing/2014/main" id="{3594874A-803E-4C13-95B8-91A4FD3E1C50}"/>
               </a:ext>
             </a:extLst>
           </p:cNvPr>
@@ -788,7 +788,7 @@
           <p:cNvPr id="3" name="Espaço Reservado para Conteúdo 2">
             <a:extLst>
               <a:ext uri="{FF2B5EF4-FFF2-40B4-BE49-F238E27FC236}">
-                <a16:creationId xmlns:a16="http://schemas.microsoft.com/office/drawing/2014/main" id="{8EF7A02D-D9B0-4A9E-BC03-4B909043072D}"/>
+                <a16:creationId xmlns="" xmlns:a16="http://schemas.microsoft.com/office/drawing/2014/main" id="{8EF7A02D-D9B0-4A9E-BC03-4B909043072D}"/>
               </a:ext>
             </a:extLst>
           </p:cNvPr>
@@ -845,7 +845,7 @@
           <p:cNvPr id="4" name="Espaço Reservado para Data 3">
             <a:extLst>
               <a:ext uri="{FF2B5EF4-FFF2-40B4-BE49-F238E27FC236}">
-                <a16:creationId xmlns:a16="http://schemas.microsoft.com/office/drawing/2014/main" id="{18B06D48-0B21-4E76-9375-ED895074D9DD}"/>
+                <a16:creationId xmlns="" xmlns:a16="http://schemas.microsoft.com/office/drawing/2014/main" id="{18B06D48-0B21-4E76-9375-ED895074D9DD}"/>
               </a:ext>
             </a:extLst>
           </p:cNvPr>
@@ -863,7 +863,7 @@
           <a:p>
             <a:fld id="{9051CA99-EC01-49AA-9D10-A564388281B1}" type="datetimeFigureOut">
               <a:rPr lang="pt-BR" smtClean="0"/>
-              <a:t>10/04/2020</a:t>
+              <a:t>15/04/2020</a:t>
             </a:fld>
             <a:endParaRPr lang="pt-BR"/>
           </a:p>
@@ -874,7 +874,7 @@
           <p:cNvPr id="5" name="Espaço Reservado para Rodapé 4">
             <a:extLst>
               <a:ext uri="{FF2B5EF4-FFF2-40B4-BE49-F238E27FC236}">
-                <a16:creationId xmlns:a16="http://schemas.microsoft.com/office/drawing/2014/main" id="{A2F00628-C7B5-40B3-B229-F18A0059BE57}"/>
+                <a16:creationId xmlns="" xmlns:a16="http://schemas.microsoft.com/office/drawing/2014/main" id="{A2F00628-C7B5-40B3-B229-F18A0059BE57}"/>
               </a:ext>
             </a:extLst>
           </p:cNvPr>
@@ -899,7 +899,7 @@
           <p:cNvPr id="6" name="Espaço Reservado para Número de Slide 5">
             <a:extLst>
               <a:ext uri="{FF2B5EF4-FFF2-40B4-BE49-F238E27FC236}">
-                <a16:creationId xmlns:a16="http://schemas.microsoft.com/office/drawing/2014/main" id="{EC77CB8D-2D00-4B9C-BD00-1742A1DE3E1A}"/>
+                <a16:creationId xmlns="" xmlns:a16="http://schemas.microsoft.com/office/drawing/2014/main" id="{EC77CB8D-2D00-4B9C-BD00-1742A1DE3E1A}"/>
               </a:ext>
             </a:extLst>
           </p:cNvPr>
@@ -958,7 +958,7 @@
           <p:cNvPr id="2" name="Título 1">
             <a:extLst>
               <a:ext uri="{FF2B5EF4-FFF2-40B4-BE49-F238E27FC236}">
-                <a16:creationId xmlns:a16="http://schemas.microsoft.com/office/drawing/2014/main" id="{93E3CF2A-3470-401E-A30D-BC07B4B9A5BC}"/>
+                <a16:creationId xmlns="" xmlns:a16="http://schemas.microsoft.com/office/drawing/2014/main" id="{93E3CF2A-3470-401E-A30D-BC07B4B9A5BC}"/>
               </a:ext>
             </a:extLst>
           </p:cNvPr>
@@ -995,7 +995,7 @@
           <p:cNvPr id="3" name="Espaço Reservado para Texto 2">
             <a:extLst>
               <a:ext uri="{FF2B5EF4-FFF2-40B4-BE49-F238E27FC236}">
-                <a16:creationId xmlns:a16="http://schemas.microsoft.com/office/drawing/2014/main" id="{72E346AE-44FA-476D-832C-03947EA5E81D}"/>
+                <a16:creationId xmlns="" xmlns:a16="http://schemas.microsoft.com/office/drawing/2014/main" id="{72E346AE-44FA-476D-832C-03947EA5E81D}"/>
               </a:ext>
             </a:extLst>
           </p:cNvPr>
@@ -1120,7 +1120,7 @@
           <p:cNvPr id="4" name="Espaço Reservado para Data 3">
             <a:extLst>
               <a:ext uri="{FF2B5EF4-FFF2-40B4-BE49-F238E27FC236}">
-                <a16:creationId xmlns:a16="http://schemas.microsoft.com/office/drawing/2014/main" id="{47162B73-90B1-4338-BBE5-23498459DDBB}"/>
+                <a16:creationId xmlns="" xmlns:a16="http://schemas.microsoft.com/office/drawing/2014/main" id="{47162B73-90B1-4338-BBE5-23498459DDBB}"/>
               </a:ext>
             </a:extLst>
           </p:cNvPr>
@@ -1138,7 +1138,7 @@
           <a:p>
             <a:fld id="{9051CA99-EC01-49AA-9D10-A564388281B1}" type="datetimeFigureOut">
               <a:rPr lang="pt-BR" smtClean="0"/>
-              <a:t>10/04/2020</a:t>
+              <a:t>15/04/2020</a:t>
             </a:fld>
             <a:endParaRPr lang="pt-BR"/>
           </a:p>
@@ -1149,7 +1149,7 @@
           <p:cNvPr id="5" name="Espaço Reservado para Rodapé 4">
             <a:extLst>
               <a:ext uri="{FF2B5EF4-FFF2-40B4-BE49-F238E27FC236}">
-                <a16:creationId xmlns:a16="http://schemas.microsoft.com/office/drawing/2014/main" id="{00E87023-BD61-460B-8167-62392F3F6CC2}"/>
+                <a16:creationId xmlns="" xmlns:a16="http://schemas.microsoft.com/office/drawing/2014/main" id="{00E87023-BD61-460B-8167-62392F3F6CC2}"/>
               </a:ext>
             </a:extLst>
           </p:cNvPr>
@@ -1174,7 +1174,7 @@
           <p:cNvPr id="6" name="Espaço Reservado para Número de Slide 5">
             <a:extLst>
               <a:ext uri="{FF2B5EF4-FFF2-40B4-BE49-F238E27FC236}">
-                <a16:creationId xmlns:a16="http://schemas.microsoft.com/office/drawing/2014/main" id="{D1D61B9F-9F47-4058-BFF3-3019B5322CCF}"/>
+                <a16:creationId xmlns="" xmlns:a16="http://schemas.microsoft.com/office/drawing/2014/main" id="{D1D61B9F-9F47-4058-BFF3-3019B5322CCF}"/>
               </a:ext>
             </a:extLst>
           </p:cNvPr>
@@ -1233,7 +1233,7 @@
           <p:cNvPr id="2" name="Título 1">
             <a:extLst>
               <a:ext uri="{FF2B5EF4-FFF2-40B4-BE49-F238E27FC236}">
-                <a16:creationId xmlns:a16="http://schemas.microsoft.com/office/drawing/2014/main" id="{EC213B2E-D1F0-4F12-8A24-E35B43F19F1F}"/>
+                <a16:creationId xmlns="" xmlns:a16="http://schemas.microsoft.com/office/drawing/2014/main" id="{EC213B2E-D1F0-4F12-8A24-E35B43F19F1F}"/>
               </a:ext>
             </a:extLst>
           </p:cNvPr>
@@ -1261,7 +1261,7 @@
           <p:cNvPr id="3" name="Espaço Reservado para Conteúdo 2">
             <a:extLst>
               <a:ext uri="{FF2B5EF4-FFF2-40B4-BE49-F238E27FC236}">
-                <a16:creationId xmlns:a16="http://schemas.microsoft.com/office/drawing/2014/main" id="{F0436E6A-622D-4C01-B069-D11C891EAF2D}"/>
+                <a16:creationId xmlns="" xmlns:a16="http://schemas.microsoft.com/office/drawing/2014/main" id="{F0436E6A-622D-4C01-B069-D11C891EAF2D}"/>
               </a:ext>
             </a:extLst>
           </p:cNvPr>
@@ -1323,7 +1323,7 @@
           <p:cNvPr id="4" name="Espaço Reservado para Conteúdo 3">
             <a:extLst>
               <a:ext uri="{FF2B5EF4-FFF2-40B4-BE49-F238E27FC236}">
-                <a16:creationId xmlns:a16="http://schemas.microsoft.com/office/drawing/2014/main" id="{72C5F8E5-1A53-42CC-9489-ABFC028ED2E4}"/>
+                <a16:creationId xmlns="" xmlns:a16="http://schemas.microsoft.com/office/drawing/2014/main" id="{72C5F8E5-1A53-42CC-9489-ABFC028ED2E4}"/>
               </a:ext>
             </a:extLst>
           </p:cNvPr>
@@ -1385,7 +1385,7 @@
           <p:cNvPr id="5" name="Espaço Reservado para Data 4">
             <a:extLst>
               <a:ext uri="{FF2B5EF4-FFF2-40B4-BE49-F238E27FC236}">
-                <a16:creationId xmlns:a16="http://schemas.microsoft.com/office/drawing/2014/main" id="{4F861505-17D0-46D9-8BF0-C8AC270B9E0E}"/>
+                <a16:creationId xmlns="" xmlns:a16="http://schemas.microsoft.com/office/drawing/2014/main" id="{4F861505-17D0-46D9-8BF0-C8AC270B9E0E}"/>
               </a:ext>
             </a:extLst>
           </p:cNvPr>
@@ -1403,7 +1403,7 @@
           <a:p>
             <a:fld id="{9051CA99-EC01-49AA-9D10-A564388281B1}" type="datetimeFigureOut">
               <a:rPr lang="pt-BR" smtClean="0"/>
-              <a:t>10/04/2020</a:t>
+              <a:t>15/04/2020</a:t>
             </a:fld>
             <a:endParaRPr lang="pt-BR"/>
           </a:p>
@@ -1414,7 +1414,7 @@
           <p:cNvPr id="6" name="Espaço Reservado para Rodapé 5">
             <a:extLst>
               <a:ext uri="{FF2B5EF4-FFF2-40B4-BE49-F238E27FC236}">
-                <a16:creationId xmlns:a16="http://schemas.microsoft.com/office/drawing/2014/main" id="{5EA5845F-D421-4CD9-9176-64A170182D43}"/>
+                <a16:creationId xmlns="" xmlns:a16="http://schemas.microsoft.com/office/drawing/2014/main" id="{5EA5845F-D421-4CD9-9176-64A170182D43}"/>
               </a:ext>
             </a:extLst>
           </p:cNvPr>
@@ -1439,7 +1439,7 @@
           <p:cNvPr id="7" name="Espaço Reservado para Número de Slide 6">
             <a:extLst>
               <a:ext uri="{FF2B5EF4-FFF2-40B4-BE49-F238E27FC236}">
-                <a16:creationId xmlns:a16="http://schemas.microsoft.com/office/drawing/2014/main" id="{8A51E052-400B-46AB-99E0-0CF34B8DDEC2}"/>
+                <a16:creationId xmlns="" xmlns:a16="http://schemas.microsoft.com/office/drawing/2014/main" id="{8A51E052-400B-46AB-99E0-0CF34B8DDEC2}"/>
               </a:ext>
             </a:extLst>
           </p:cNvPr>
@@ -1498,7 +1498,7 @@
           <p:cNvPr id="2" name="Título 1">
             <a:extLst>
               <a:ext uri="{FF2B5EF4-FFF2-40B4-BE49-F238E27FC236}">
-                <a16:creationId xmlns:a16="http://schemas.microsoft.com/office/drawing/2014/main" id="{45643648-0421-42D5-A8DE-8E05764BF97A}"/>
+                <a16:creationId xmlns="" xmlns:a16="http://schemas.microsoft.com/office/drawing/2014/main" id="{45643648-0421-42D5-A8DE-8E05764BF97A}"/>
               </a:ext>
             </a:extLst>
           </p:cNvPr>
@@ -1531,7 +1531,7 @@
           <p:cNvPr id="3" name="Espaço Reservado para Texto 2">
             <a:extLst>
               <a:ext uri="{FF2B5EF4-FFF2-40B4-BE49-F238E27FC236}">
-                <a16:creationId xmlns:a16="http://schemas.microsoft.com/office/drawing/2014/main" id="{55D53027-DF9A-4E1B-A376-B3DC17CA39AE}"/>
+                <a16:creationId xmlns="" xmlns:a16="http://schemas.microsoft.com/office/drawing/2014/main" id="{55D53027-DF9A-4E1B-A376-B3DC17CA39AE}"/>
               </a:ext>
             </a:extLst>
           </p:cNvPr>
@@ -1602,7 +1602,7 @@
           <p:cNvPr id="4" name="Espaço Reservado para Conteúdo 3">
             <a:extLst>
               <a:ext uri="{FF2B5EF4-FFF2-40B4-BE49-F238E27FC236}">
-                <a16:creationId xmlns:a16="http://schemas.microsoft.com/office/drawing/2014/main" id="{4386479C-2B24-4172-8282-0D5DE970BEFA}"/>
+                <a16:creationId xmlns="" xmlns:a16="http://schemas.microsoft.com/office/drawing/2014/main" id="{4386479C-2B24-4172-8282-0D5DE970BEFA}"/>
               </a:ext>
             </a:extLst>
           </p:cNvPr>
@@ -1664,7 +1664,7 @@
           <p:cNvPr id="5" name="Espaço Reservado para Texto 4">
             <a:extLst>
               <a:ext uri="{FF2B5EF4-FFF2-40B4-BE49-F238E27FC236}">
-                <a16:creationId xmlns:a16="http://schemas.microsoft.com/office/drawing/2014/main" id="{3724A4B1-0272-44BF-AFA1-67EF7E378AA7}"/>
+                <a16:creationId xmlns="" xmlns:a16="http://schemas.microsoft.com/office/drawing/2014/main" id="{3724A4B1-0272-44BF-AFA1-67EF7E378AA7}"/>
               </a:ext>
             </a:extLst>
           </p:cNvPr>
@@ -1735,7 +1735,7 @@
           <p:cNvPr id="6" name="Espaço Reservado para Conteúdo 5">
             <a:extLst>
               <a:ext uri="{FF2B5EF4-FFF2-40B4-BE49-F238E27FC236}">
-                <a16:creationId xmlns:a16="http://schemas.microsoft.com/office/drawing/2014/main" id="{A109E507-BB1C-4A30-8F01-08D4B503A6AA}"/>
+                <a16:creationId xmlns="" xmlns:a16="http://schemas.microsoft.com/office/drawing/2014/main" id="{A109E507-BB1C-4A30-8F01-08D4B503A6AA}"/>
               </a:ext>
             </a:extLst>
           </p:cNvPr>
@@ -1797,7 +1797,7 @@
           <p:cNvPr id="7" name="Espaço Reservado para Data 6">
             <a:extLst>
               <a:ext uri="{FF2B5EF4-FFF2-40B4-BE49-F238E27FC236}">
-                <a16:creationId xmlns:a16="http://schemas.microsoft.com/office/drawing/2014/main" id="{9A90F214-3893-4FA8-ABD0-834F2DAF24D6}"/>
+                <a16:creationId xmlns="" xmlns:a16="http://schemas.microsoft.com/office/drawing/2014/main" id="{9A90F214-3893-4FA8-ABD0-834F2DAF24D6}"/>
               </a:ext>
             </a:extLst>
           </p:cNvPr>
@@ -1815,7 +1815,7 @@
           <a:p>
             <a:fld id="{9051CA99-EC01-49AA-9D10-A564388281B1}" type="datetimeFigureOut">
               <a:rPr lang="pt-BR" smtClean="0"/>
-              <a:t>10/04/2020</a:t>
+              <a:t>15/04/2020</a:t>
             </a:fld>
             <a:endParaRPr lang="pt-BR"/>
           </a:p>
@@ -1826,7 +1826,7 @@
           <p:cNvPr id="8" name="Espaço Reservado para Rodapé 7">
             <a:extLst>
               <a:ext uri="{FF2B5EF4-FFF2-40B4-BE49-F238E27FC236}">
-                <a16:creationId xmlns:a16="http://schemas.microsoft.com/office/drawing/2014/main" id="{A125F6C6-97B7-4419-A0E5-97D3FFF940B3}"/>
+                <a16:creationId xmlns="" xmlns:a16="http://schemas.microsoft.com/office/drawing/2014/main" id="{A125F6C6-97B7-4419-A0E5-97D3FFF940B3}"/>
               </a:ext>
             </a:extLst>
           </p:cNvPr>
@@ -1851,7 +1851,7 @@
           <p:cNvPr id="9" name="Espaço Reservado para Número de Slide 8">
             <a:extLst>
               <a:ext uri="{FF2B5EF4-FFF2-40B4-BE49-F238E27FC236}">
-                <a16:creationId xmlns:a16="http://schemas.microsoft.com/office/drawing/2014/main" id="{41006151-B35B-4B98-8E6B-0D102405642D}"/>
+                <a16:creationId xmlns="" xmlns:a16="http://schemas.microsoft.com/office/drawing/2014/main" id="{41006151-B35B-4B98-8E6B-0D102405642D}"/>
               </a:ext>
             </a:extLst>
           </p:cNvPr>
@@ -1910,7 +1910,7 @@
           <p:cNvPr id="2" name="Título 1">
             <a:extLst>
               <a:ext uri="{FF2B5EF4-FFF2-40B4-BE49-F238E27FC236}">
-                <a16:creationId xmlns:a16="http://schemas.microsoft.com/office/drawing/2014/main" id="{201B04DD-0516-465F-82CF-9CD62BA9F06F}"/>
+                <a16:creationId xmlns="" xmlns:a16="http://schemas.microsoft.com/office/drawing/2014/main" id="{201B04DD-0516-465F-82CF-9CD62BA9F06F}"/>
               </a:ext>
             </a:extLst>
           </p:cNvPr>
@@ -1938,7 +1938,7 @@
           <p:cNvPr id="3" name="Espaço Reservado para Data 2">
             <a:extLst>
               <a:ext uri="{FF2B5EF4-FFF2-40B4-BE49-F238E27FC236}">
-                <a16:creationId xmlns:a16="http://schemas.microsoft.com/office/drawing/2014/main" id="{8162E255-1F58-46F6-A1C5-E347D9E1B58F}"/>
+                <a16:creationId xmlns="" xmlns:a16="http://schemas.microsoft.com/office/drawing/2014/main" id="{8162E255-1F58-46F6-A1C5-E347D9E1B58F}"/>
               </a:ext>
             </a:extLst>
           </p:cNvPr>
@@ -1956,7 +1956,7 @@
           <a:p>
             <a:fld id="{9051CA99-EC01-49AA-9D10-A564388281B1}" type="datetimeFigureOut">
               <a:rPr lang="pt-BR" smtClean="0"/>
-              <a:t>10/04/2020</a:t>
+              <a:t>15/04/2020</a:t>
             </a:fld>
             <a:endParaRPr lang="pt-BR"/>
           </a:p>
@@ -1967,7 +1967,7 @@
           <p:cNvPr id="4" name="Espaço Reservado para Rodapé 3">
             <a:extLst>
               <a:ext uri="{FF2B5EF4-FFF2-40B4-BE49-F238E27FC236}">
-                <a16:creationId xmlns:a16="http://schemas.microsoft.com/office/drawing/2014/main" id="{962658A8-3D97-44D1-BD0B-9FC0D87B973F}"/>
+                <a16:creationId xmlns="" xmlns:a16="http://schemas.microsoft.com/office/drawing/2014/main" id="{962658A8-3D97-44D1-BD0B-9FC0D87B973F}"/>
               </a:ext>
             </a:extLst>
           </p:cNvPr>
@@ -1992,7 +1992,7 @@
           <p:cNvPr id="5" name="Espaço Reservado para Número de Slide 4">
             <a:extLst>
               <a:ext uri="{FF2B5EF4-FFF2-40B4-BE49-F238E27FC236}">
-                <a16:creationId xmlns:a16="http://schemas.microsoft.com/office/drawing/2014/main" id="{E6DD9066-262A-41BF-A729-1CBAF7668632}"/>
+                <a16:creationId xmlns="" xmlns:a16="http://schemas.microsoft.com/office/drawing/2014/main" id="{E6DD9066-262A-41BF-A729-1CBAF7668632}"/>
               </a:ext>
             </a:extLst>
           </p:cNvPr>
@@ -2051,7 +2051,7 @@
           <p:cNvPr id="2" name="Espaço Reservado para Data 1">
             <a:extLst>
               <a:ext uri="{FF2B5EF4-FFF2-40B4-BE49-F238E27FC236}">
-                <a16:creationId xmlns:a16="http://schemas.microsoft.com/office/drawing/2014/main" id="{E79107C3-0881-4BAB-B0C6-DA5AC4E7A6E9}"/>
+                <a16:creationId xmlns="" xmlns:a16="http://schemas.microsoft.com/office/drawing/2014/main" id="{E79107C3-0881-4BAB-B0C6-DA5AC4E7A6E9}"/>
               </a:ext>
             </a:extLst>
           </p:cNvPr>
@@ -2069,7 +2069,7 @@
           <a:p>
             <a:fld id="{9051CA99-EC01-49AA-9D10-A564388281B1}" type="datetimeFigureOut">
               <a:rPr lang="pt-BR" smtClean="0"/>
-              <a:t>10/04/2020</a:t>
+              <a:t>15/04/2020</a:t>
             </a:fld>
             <a:endParaRPr lang="pt-BR"/>
           </a:p>
@@ -2080,7 +2080,7 @@
           <p:cNvPr id="3" name="Espaço Reservado para Rodapé 2">
             <a:extLst>
               <a:ext uri="{FF2B5EF4-FFF2-40B4-BE49-F238E27FC236}">
-                <a16:creationId xmlns:a16="http://schemas.microsoft.com/office/drawing/2014/main" id="{A7F48B3A-6B08-48E4-B021-815DB1FBB4E4}"/>
+                <a16:creationId xmlns="" xmlns:a16="http://schemas.microsoft.com/office/drawing/2014/main" id="{A7F48B3A-6B08-48E4-B021-815DB1FBB4E4}"/>
               </a:ext>
             </a:extLst>
           </p:cNvPr>
@@ -2105,7 +2105,7 @@
           <p:cNvPr id="4" name="Espaço Reservado para Número de Slide 3">
             <a:extLst>
               <a:ext uri="{FF2B5EF4-FFF2-40B4-BE49-F238E27FC236}">
-                <a16:creationId xmlns:a16="http://schemas.microsoft.com/office/drawing/2014/main" id="{F5350AB9-08BC-4F24-A146-57746CCDAA55}"/>
+                <a16:creationId xmlns="" xmlns:a16="http://schemas.microsoft.com/office/drawing/2014/main" id="{F5350AB9-08BC-4F24-A146-57746CCDAA55}"/>
               </a:ext>
             </a:extLst>
           </p:cNvPr>
@@ -2164,7 +2164,7 @@
           <p:cNvPr id="2" name="Título 1">
             <a:extLst>
               <a:ext uri="{FF2B5EF4-FFF2-40B4-BE49-F238E27FC236}">
-                <a16:creationId xmlns:a16="http://schemas.microsoft.com/office/drawing/2014/main" id="{5D8A3645-C413-42B9-BE76-5B5A80744A17}"/>
+                <a16:creationId xmlns="" xmlns:a16="http://schemas.microsoft.com/office/drawing/2014/main" id="{5D8A3645-C413-42B9-BE76-5B5A80744A17}"/>
               </a:ext>
             </a:extLst>
           </p:cNvPr>
@@ -2201,7 +2201,7 @@
           <p:cNvPr id="3" name="Espaço Reservado para Conteúdo 2">
             <a:extLst>
               <a:ext uri="{FF2B5EF4-FFF2-40B4-BE49-F238E27FC236}">
-                <a16:creationId xmlns:a16="http://schemas.microsoft.com/office/drawing/2014/main" id="{1EEC8B08-B53C-4D6B-874C-47DF936F7123}"/>
+                <a16:creationId xmlns="" xmlns:a16="http://schemas.microsoft.com/office/drawing/2014/main" id="{1EEC8B08-B53C-4D6B-874C-47DF936F7123}"/>
               </a:ext>
             </a:extLst>
           </p:cNvPr>
@@ -2291,7 +2291,7 @@
           <p:cNvPr id="4" name="Espaço Reservado para Texto 3">
             <a:extLst>
               <a:ext uri="{FF2B5EF4-FFF2-40B4-BE49-F238E27FC236}">
-                <a16:creationId xmlns:a16="http://schemas.microsoft.com/office/drawing/2014/main" id="{B3E0D3EB-FF5E-47DB-8469-8206107D3137}"/>
+                <a16:creationId xmlns="" xmlns:a16="http://schemas.microsoft.com/office/drawing/2014/main" id="{B3E0D3EB-FF5E-47DB-8469-8206107D3137}"/>
               </a:ext>
             </a:extLst>
           </p:cNvPr>
@@ -2362,7 +2362,7 @@
           <p:cNvPr id="5" name="Espaço Reservado para Data 4">
             <a:extLst>
               <a:ext uri="{FF2B5EF4-FFF2-40B4-BE49-F238E27FC236}">
-                <a16:creationId xmlns:a16="http://schemas.microsoft.com/office/drawing/2014/main" id="{EC09D80E-CC88-46FF-B3F0-02D23BE18917}"/>
+                <a16:creationId xmlns="" xmlns:a16="http://schemas.microsoft.com/office/drawing/2014/main" id="{EC09D80E-CC88-46FF-B3F0-02D23BE18917}"/>
               </a:ext>
             </a:extLst>
           </p:cNvPr>
@@ -2380,7 +2380,7 @@
           <a:p>
             <a:fld id="{9051CA99-EC01-49AA-9D10-A564388281B1}" type="datetimeFigureOut">
               <a:rPr lang="pt-BR" smtClean="0"/>
-              <a:t>10/04/2020</a:t>
+              <a:t>15/04/2020</a:t>
             </a:fld>
             <a:endParaRPr lang="pt-BR"/>
           </a:p>
@@ -2391,7 +2391,7 @@
           <p:cNvPr id="6" name="Espaço Reservado para Rodapé 5">
             <a:extLst>
               <a:ext uri="{FF2B5EF4-FFF2-40B4-BE49-F238E27FC236}">
-                <a16:creationId xmlns:a16="http://schemas.microsoft.com/office/drawing/2014/main" id="{CCF953ED-5BF2-4418-A42C-B212D2E4F43B}"/>
+                <a16:creationId xmlns="" xmlns:a16="http://schemas.microsoft.com/office/drawing/2014/main" id="{CCF953ED-5BF2-4418-A42C-B212D2E4F43B}"/>
               </a:ext>
             </a:extLst>
           </p:cNvPr>
@@ -2416,7 +2416,7 @@
           <p:cNvPr id="7" name="Espaço Reservado para Número de Slide 6">
             <a:extLst>
               <a:ext uri="{FF2B5EF4-FFF2-40B4-BE49-F238E27FC236}">
-                <a16:creationId xmlns:a16="http://schemas.microsoft.com/office/drawing/2014/main" id="{A04487CF-215C-455C-B071-54D7BC34B483}"/>
+                <a16:creationId xmlns="" xmlns:a16="http://schemas.microsoft.com/office/drawing/2014/main" id="{A04487CF-215C-455C-B071-54D7BC34B483}"/>
               </a:ext>
             </a:extLst>
           </p:cNvPr>
@@ -2475,7 +2475,7 @@
           <p:cNvPr id="2" name="Título 1">
             <a:extLst>
               <a:ext uri="{FF2B5EF4-FFF2-40B4-BE49-F238E27FC236}">
-                <a16:creationId xmlns:a16="http://schemas.microsoft.com/office/drawing/2014/main" id="{2E2CEB7A-362A-495A-92F2-4CE13088E259}"/>
+                <a16:creationId xmlns="" xmlns:a16="http://schemas.microsoft.com/office/drawing/2014/main" id="{2E2CEB7A-362A-495A-92F2-4CE13088E259}"/>
               </a:ext>
             </a:extLst>
           </p:cNvPr>
@@ -2512,7 +2512,7 @@
           <p:cNvPr id="3" name="Espaço Reservado para Imagem 2">
             <a:extLst>
               <a:ext uri="{FF2B5EF4-FFF2-40B4-BE49-F238E27FC236}">
-                <a16:creationId xmlns:a16="http://schemas.microsoft.com/office/drawing/2014/main" id="{6106D677-95F9-497C-B7BA-30E2FF636EF7}"/>
+                <a16:creationId xmlns="" xmlns:a16="http://schemas.microsoft.com/office/drawing/2014/main" id="{6106D677-95F9-497C-B7BA-30E2FF636EF7}"/>
               </a:ext>
             </a:extLst>
           </p:cNvPr>
@@ -2579,7 +2579,7 @@
           <p:cNvPr id="4" name="Espaço Reservado para Texto 3">
             <a:extLst>
               <a:ext uri="{FF2B5EF4-FFF2-40B4-BE49-F238E27FC236}">
-                <a16:creationId xmlns:a16="http://schemas.microsoft.com/office/drawing/2014/main" id="{60B86CFF-8FBF-4C98-810A-5278B2A15438}"/>
+                <a16:creationId xmlns="" xmlns:a16="http://schemas.microsoft.com/office/drawing/2014/main" id="{60B86CFF-8FBF-4C98-810A-5278B2A15438}"/>
               </a:ext>
             </a:extLst>
           </p:cNvPr>
@@ -2650,7 +2650,7 @@
           <p:cNvPr id="5" name="Espaço Reservado para Data 4">
             <a:extLst>
               <a:ext uri="{FF2B5EF4-FFF2-40B4-BE49-F238E27FC236}">
-                <a16:creationId xmlns:a16="http://schemas.microsoft.com/office/drawing/2014/main" id="{EB9DD464-21D1-41AA-9175-2F14B3F7D6A8}"/>
+                <a16:creationId xmlns="" xmlns:a16="http://schemas.microsoft.com/office/drawing/2014/main" id="{EB9DD464-21D1-41AA-9175-2F14B3F7D6A8}"/>
               </a:ext>
             </a:extLst>
           </p:cNvPr>
@@ -2668,7 +2668,7 @@
           <a:p>
             <a:fld id="{9051CA99-EC01-49AA-9D10-A564388281B1}" type="datetimeFigureOut">
               <a:rPr lang="pt-BR" smtClean="0"/>
-              <a:t>10/04/2020</a:t>
+              <a:t>15/04/2020</a:t>
             </a:fld>
             <a:endParaRPr lang="pt-BR"/>
           </a:p>
@@ -2679,7 +2679,7 @@
           <p:cNvPr id="6" name="Espaço Reservado para Rodapé 5">
             <a:extLst>
               <a:ext uri="{FF2B5EF4-FFF2-40B4-BE49-F238E27FC236}">
-                <a16:creationId xmlns:a16="http://schemas.microsoft.com/office/drawing/2014/main" id="{FF8CA4BF-4883-4FE0-837A-B5A652F270AD}"/>
+                <a16:creationId xmlns="" xmlns:a16="http://schemas.microsoft.com/office/drawing/2014/main" id="{FF8CA4BF-4883-4FE0-837A-B5A652F270AD}"/>
               </a:ext>
             </a:extLst>
           </p:cNvPr>
@@ -2704,7 +2704,7 @@
           <p:cNvPr id="7" name="Espaço Reservado para Número de Slide 6">
             <a:extLst>
               <a:ext uri="{FF2B5EF4-FFF2-40B4-BE49-F238E27FC236}">
-                <a16:creationId xmlns:a16="http://schemas.microsoft.com/office/drawing/2014/main" id="{B66D4361-EDD4-4E57-B872-CE0A2D4D2000}"/>
+                <a16:creationId xmlns="" xmlns:a16="http://schemas.microsoft.com/office/drawing/2014/main" id="{B66D4361-EDD4-4E57-B872-CE0A2D4D2000}"/>
               </a:ext>
             </a:extLst>
           </p:cNvPr>
@@ -2768,7 +2768,7 @@
           <p:cNvPr id="2" name="Espaço Reservado para Título 1">
             <a:extLst>
               <a:ext uri="{FF2B5EF4-FFF2-40B4-BE49-F238E27FC236}">
-                <a16:creationId xmlns:a16="http://schemas.microsoft.com/office/drawing/2014/main" id="{44D21611-868B-4A19-BDC3-413126C03CD0}"/>
+                <a16:creationId xmlns="" xmlns:a16="http://schemas.microsoft.com/office/drawing/2014/main" id="{44D21611-868B-4A19-BDC3-413126C03CD0}"/>
               </a:ext>
             </a:extLst>
           </p:cNvPr>
@@ -2806,7 +2806,7 @@
           <p:cNvPr id="3" name="Espaço Reservado para Texto 2">
             <a:extLst>
               <a:ext uri="{FF2B5EF4-FFF2-40B4-BE49-F238E27FC236}">
-                <a16:creationId xmlns:a16="http://schemas.microsoft.com/office/drawing/2014/main" id="{F4D88C99-3291-4568-BB65-18DB1BB53660}"/>
+                <a16:creationId xmlns="" xmlns:a16="http://schemas.microsoft.com/office/drawing/2014/main" id="{F4D88C99-3291-4568-BB65-18DB1BB53660}"/>
               </a:ext>
             </a:extLst>
           </p:cNvPr>
@@ -2873,7 +2873,7 @@
           <p:cNvPr id="4" name="Espaço Reservado para Data 3">
             <a:extLst>
               <a:ext uri="{FF2B5EF4-FFF2-40B4-BE49-F238E27FC236}">
-                <a16:creationId xmlns:a16="http://schemas.microsoft.com/office/drawing/2014/main" id="{5F47A383-5EF3-4698-86B5-61A9AEE1A41E}"/>
+                <a16:creationId xmlns="" xmlns:a16="http://schemas.microsoft.com/office/drawing/2014/main" id="{5F47A383-5EF3-4698-86B5-61A9AEE1A41E}"/>
               </a:ext>
             </a:extLst>
           </p:cNvPr>
@@ -2909,7 +2909,7 @@
           <a:p>
             <a:fld id="{9051CA99-EC01-49AA-9D10-A564388281B1}" type="datetimeFigureOut">
               <a:rPr lang="pt-BR" smtClean="0"/>
-              <a:t>10/04/2020</a:t>
+              <a:t>15/04/2020</a:t>
             </a:fld>
             <a:endParaRPr lang="pt-BR"/>
           </a:p>
@@ -2920,7 +2920,7 @@
           <p:cNvPr id="5" name="Espaço Reservado para Rodapé 4">
             <a:extLst>
               <a:ext uri="{FF2B5EF4-FFF2-40B4-BE49-F238E27FC236}">
-                <a16:creationId xmlns:a16="http://schemas.microsoft.com/office/drawing/2014/main" id="{648FF0EC-B1C1-4B48-9801-ED1B0ED4802C}"/>
+                <a16:creationId xmlns="" xmlns:a16="http://schemas.microsoft.com/office/drawing/2014/main" id="{648FF0EC-B1C1-4B48-9801-ED1B0ED4802C}"/>
               </a:ext>
             </a:extLst>
           </p:cNvPr>
@@ -2963,7 +2963,7 @@
           <p:cNvPr id="6" name="Espaço Reservado para Número de Slide 5">
             <a:extLst>
               <a:ext uri="{FF2B5EF4-FFF2-40B4-BE49-F238E27FC236}">
-                <a16:creationId xmlns:a16="http://schemas.microsoft.com/office/drawing/2014/main" id="{BD5E8367-B8E9-4E57-802C-E0ECC7C56E0D}"/>
+                <a16:creationId xmlns="" xmlns:a16="http://schemas.microsoft.com/office/drawing/2014/main" id="{BD5E8367-B8E9-4E57-802C-E0ECC7C56E0D}"/>
               </a:ext>
             </a:extLst>
           </p:cNvPr>
@@ -3331,7 +3331,7 @@
           <p:cNvPr id="5" name="Imagem 4" descr="Uma imagem contendo relógio&#10;&#10;Descrição gerada automaticamente">
             <a:extLst>
               <a:ext uri="{FF2B5EF4-FFF2-40B4-BE49-F238E27FC236}">
-                <a16:creationId xmlns:a16="http://schemas.microsoft.com/office/drawing/2014/main" id="{EA954568-830E-4114-A575-5A8F5CE2BDC0}"/>
+                <a16:creationId xmlns="" xmlns:a16="http://schemas.microsoft.com/office/drawing/2014/main" id="{EA954568-830E-4114-A575-5A8F5CE2BDC0}"/>
               </a:ext>
             </a:extLst>
           </p:cNvPr>
@@ -3340,7 +3340,7 @@
           </p:cNvPicPr>
           <p:nvPr/>
         </p:nvPicPr>
-        <p:blipFill>
+        <p:blipFill rotWithShape="1">
           <a:blip r:embed="rId2">
             <a:extLst>
               <a:ext uri="{28A0092B-C50C-407E-A947-70E740481C1C}">
@@ -3348,9 +3348,8 @@
               </a:ext>
             </a:extLst>
           </a:blip>
-          <a:stretch>
-            <a:fillRect/>
-          </a:stretch>
+          <a:srcRect l="1765" t="784" r="-1765" b="-784"/>
+          <a:stretch/>
         </p:blipFill>
         <p:spPr>
           <a:xfrm>
@@ -3362,6 +3361,108 @@
           </a:prstGeom>
         </p:spPr>
       </p:pic>
+      <p:sp>
+        <p:nvSpPr>
+          <p:cNvPr id="2" name="CaixaDeTexto 1"/>
+          <p:cNvSpPr txBox="1"/>
+          <p:nvPr/>
+        </p:nvSpPr>
+        <p:spPr>
+          <a:xfrm>
+            <a:off x="3227294" y="3899647"/>
+            <a:ext cx="900953" cy="369332"/>
+          </a:xfrm>
+          <a:prstGeom prst="rect">
+            <a:avLst/>
+          </a:prstGeom>
+          <a:noFill/>
+        </p:spPr>
+        <p:txBody>
+          <a:bodyPr wrap="square" rtlCol="0">
+            <a:spAutoFit/>
+          </a:bodyPr>
+          <a:lstStyle/>
+          <a:p>
+            <a:r>
+              <a:rPr lang="pt-BR" b="1" dirty="0" smtClean="0">
+                <a:latin typeface="Bahnschrift" panose="020B0502040204020203" pitchFamily="34" charset="0"/>
+              </a:rPr>
+              <a:t>Cliente</a:t>
+            </a:r>
+            <a:endParaRPr lang="pt-BR" b="1" dirty="0">
+              <a:latin typeface="Bahnschrift" panose="020B0502040204020203" pitchFamily="34" charset="0"/>
+            </a:endParaRPr>
+          </a:p>
+        </p:txBody>
+      </p:sp>
+      <p:sp>
+        <p:nvSpPr>
+          <p:cNvPr id="4" name="CaixaDeTexto 3"/>
+          <p:cNvSpPr txBox="1"/>
+          <p:nvPr/>
+        </p:nvSpPr>
+        <p:spPr>
+          <a:xfrm>
+            <a:off x="7535957" y="3899647"/>
+            <a:ext cx="1896034" cy="369332"/>
+          </a:xfrm>
+          <a:prstGeom prst="rect">
+            <a:avLst/>
+          </a:prstGeom>
+          <a:noFill/>
+        </p:spPr>
+        <p:txBody>
+          <a:bodyPr wrap="square" rtlCol="0">
+            <a:spAutoFit/>
+          </a:bodyPr>
+          <a:lstStyle/>
+          <a:p>
+            <a:r>
+              <a:rPr lang="pt-BR" b="1" dirty="0" smtClean="0">
+                <a:latin typeface="Bahnschrift" panose="020B0502040204020203" pitchFamily="34" charset="0"/>
+              </a:rPr>
+              <a:t>Estabelecimento</a:t>
+            </a:r>
+            <a:endParaRPr lang="pt-BR" b="1" dirty="0">
+              <a:latin typeface="Bahnschrift" panose="020B0502040204020203" pitchFamily="34" charset="0"/>
+            </a:endParaRPr>
+          </a:p>
+        </p:txBody>
+      </p:sp>
+      <p:sp>
+        <p:nvSpPr>
+          <p:cNvPr id="6" name="CaixaDeTexto 5"/>
+          <p:cNvSpPr txBox="1"/>
+          <p:nvPr/>
+        </p:nvSpPr>
+        <p:spPr>
+          <a:xfrm>
+            <a:off x="5520017" y="3899647"/>
+            <a:ext cx="1151965" cy="369332"/>
+          </a:xfrm>
+          <a:prstGeom prst="rect">
+            <a:avLst/>
+          </a:prstGeom>
+          <a:noFill/>
+        </p:spPr>
+        <p:txBody>
+          <a:bodyPr wrap="square" rtlCol="0">
+            <a:spAutoFit/>
+          </a:bodyPr>
+          <a:lstStyle/>
+          <a:p>
+            <a:r>
+              <a:rPr lang="pt-BR" b="1" dirty="0" smtClean="0">
+                <a:latin typeface="Bahnschrift" panose="020B0502040204020203" pitchFamily="34" charset="0"/>
+              </a:rPr>
+              <a:t>Compras</a:t>
+            </a:r>
+            <a:endParaRPr lang="pt-BR" b="1" dirty="0">
+              <a:latin typeface="Bahnschrift" panose="020B0502040204020203" pitchFamily="34" charset="0"/>
+            </a:endParaRPr>
+          </a:p>
+        </p:txBody>
+      </p:sp>
     </p:spTree>
     <p:extLst>
       <p:ext uri="{BB962C8B-B14F-4D97-AF65-F5344CB8AC3E}">
@@ -3372,6 +3473,13 @@
   <p:clrMapOvr>
     <a:masterClrMapping/>
   </p:clrMapOvr>
+  <p:timing>
+    <p:tnLst>
+      <p:par>
+        <p:cTn id="1" dur="indefinite" restart="never" nodeType="tmRoot"/>
+      </p:par>
+    </p:tnLst>
+  </p:timing>
 </p:sld>
 </file>
 
